--- a/Results_Update_2024_01_17.pptx
+++ b/Results_Update_2024_01_17.pptx
@@ -214,7 +214,7 @@
           <a:p>
             <a:fld id="{2ABFBF26-4BA9-426D-93F1-68D1BEA91C48}" type="datetimeFigureOut">
               <a:rPr lang="en-GB" smtClean="0"/>
-              <a:t>18/01/2024</a:t>
+              <a:t>26/01/2024</a:t>
             </a:fld>
             <a:endParaRPr lang="en-GB"/>
           </a:p>
@@ -1066,7 +1066,7 @@
           <a:p>
             <a:fld id="{489E85FB-1685-4DEB-80DB-1CF6E486439B}" type="datetimeFigureOut">
               <a:rPr lang="en-GB" smtClean="0"/>
-              <a:t>18/01/2024</a:t>
+              <a:t>26/01/2024</a:t>
             </a:fld>
             <a:endParaRPr lang="en-GB"/>
           </a:p>
@@ -1264,7 +1264,7 @@
           <a:p>
             <a:fld id="{489E85FB-1685-4DEB-80DB-1CF6E486439B}" type="datetimeFigureOut">
               <a:rPr lang="en-GB" smtClean="0"/>
-              <a:t>18/01/2024</a:t>
+              <a:t>26/01/2024</a:t>
             </a:fld>
             <a:endParaRPr lang="en-GB"/>
           </a:p>
@@ -1472,7 +1472,7 @@
           <a:p>
             <a:fld id="{489E85FB-1685-4DEB-80DB-1CF6E486439B}" type="datetimeFigureOut">
               <a:rPr lang="en-GB" smtClean="0"/>
-              <a:t>18/01/2024</a:t>
+              <a:t>26/01/2024</a:t>
             </a:fld>
             <a:endParaRPr lang="en-GB"/>
           </a:p>
@@ -1670,7 +1670,7 @@
           <a:p>
             <a:fld id="{489E85FB-1685-4DEB-80DB-1CF6E486439B}" type="datetimeFigureOut">
               <a:rPr lang="en-GB" smtClean="0"/>
-              <a:t>18/01/2024</a:t>
+              <a:t>26/01/2024</a:t>
             </a:fld>
             <a:endParaRPr lang="en-GB"/>
           </a:p>
@@ -1945,7 +1945,7 @@
           <a:p>
             <a:fld id="{489E85FB-1685-4DEB-80DB-1CF6E486439B}" type="datetimeFigureOut">
               <a:rPr lang="en-GB" smtClean="0"/>
-              <a:t>18/01/2024</a:t>
+              <a:t>26/01/2024</a:t>
             </a:fld>
             <a:endParaRPr lang="en-GB"/>
           </a:p>
@@ -2210,7 +2210,7 @@
           <a:p>
             <a:fld id="{489E85FB-1685-4DEB-80DB-1CF6E486439B}" type="datetimeFigureOut">
               <a:rPr lang="en-GB" smtClean="0"/>
-              <a:t>18/01/2024</a:t>
+              <a:t>26/01/2024</a:t>
             </a:fld>
             <a:endParaRPr lang="en-GB"/>
           </a:p>
@@ -2622,7 +2622,7 @@
           <a:p>
             <a:fld id="{489E85FB-1685-4DEB-80DB-1CF6E486439B}" type="datetimeFigureOut">
               <a:rPr lang="en-GB" smtClean="0"/>
-              <a:t>18/01/2024</a:t>
+              <a:t>26/01/2024</a:t>
             </a:fld>
             <a:endParaRPr lang="en-GB"/>
           </a:p>
@@ -2763,7 +2763,7 @@
           <a:p>
             <a:fld id="{489E85FB-1685-4DEB-80DB-1CF6E486439B}" type="datetimeFigureOut">
               <a:rPr lang="en-GB" smtClean="0"/>
-              <a:t>18/01/2024</a:t>
+              <a:t>26/01/2024</a:t>
             </a:fld>
             <a:endParaRPr lang="en-GB"/>
           </a:p>
@@ -2876,7 +2876,7 @@
           <a:p>
             <a:fld id="{489E85FB-1685-4DEB-80DB-1CF6E486439B}" type="datetimeFigureOut">
               <a:rPr lang="en-GB" smtClean="0"/>
-              <a:t>18/01/2024</a:t>
+              <a:t>26/01/2024</a:t>
             </a:fld>
             <a:endParaRPr lang="en-GB"/>
           </a:p>
@@ -3187,7 +3187,7 @@
           <a:p>
             <a:fld id="{489E85FB-1685-4DEB-80DB-1CF6E486439B}" type="datetimeFigureOut">
               <a:rPr lang="en-GB" smtClean="0"/>
-              <a:t>18/01/2024</a:t>
+              <a:t>26/01/2024</a:t>
             </a:fld>
             <a:endParaRPr lang="en-GB"/>
           </a:p>
@@ -3475,7 +3475,7 @@
           <a:p>
             <a:fld id="{489E85FB-1685-4DEB-80DB-1CF6E486439B}" type="datetimeFigureOut">
               <a:rPr lang="en-GB" smtClean="0"/>
-              <a:t>18/01/2024</a:t>
+              <a:t>26/01/2024</a:t>
             </a:fld>
             <a:endParaRPr lang="en-GB"/>
           </a:p>
@@ -3716,7 +3716,7 @@
           <a:p>
             <a:fld id="{489E85FB-1685-4DEB-80DB-1CF6E486439B}" type="datetimeFigureOut">
               <a:rPr lang="en-GB" smtClean="0"/>
-              <a:t>18/01/2024</a:t>
+              <a:t>26/01/2024</a:t>
             </a:fld>
             <a:endParaRPr lang="en-GB"/>
           </a:p>
